--- a/dev methodological issue.pptx
+++ b/dev methodological issue.pptx
@@ -5,7 +5,7 @@
     <p:sldMasterId id="2147483648" r:id="rId1"/>
   </p:sldMasterIdLst>
   <p:notesMasterIdLst>
-    <p:notesMasterId r:id="rId13"/>
+    <p:notesMasterId r:id="rId11"/>
   </p:notesMasterIdLst>
   <p:sldIdLst>
     <p:sldId id="256" r:id="rId2"/>
@@ -16,9 +16,7 @@
     <p:sldId id="264" r:id="rId7"/>
     <p:sldId id="259" r:id="rId8"/>
     <p:sldId id="260" r:id="rId9"/>
-    <p:sldId id="265" r:id="rId10"/>
-    <p:sldId id="266" r:id="rId11"/>
-    <p:sldId id="267" r:id="rId12"/>
+    <p:sldId id="267" r:id="rId10"/>
   </p:sldIdLst>
   <p:sldSz cx="9144000" cy="6858000" type="screen4x3"/>
   <p:notesSz cx="6858000" cy="9144000"/>
@@ -3597,11 +3595,7 @@
           <a:p>
             <a:r>
               <a:rPr lang="en-US" dirty="0" smtClean="0"/>
-              <a:t>Julia</a:t>
-            </a:r>
-            <a:r>
-              <a:rPr lang="en-US" dirty="0" smtClean="0"/>
-              <a:t>, </a:t>
+              <a:t>Julia, </a:t>
             </a:r>
             <a:r>
               <a:rPr lang="en-US" dirty="0" err="1" smtClean="0"/>
@@ -3609,11 +3603,7 @@
             </a:r>
             <a:r>
               <a:rPr lang="en-US" dirty="0" smtClean="0"/>
-              <a:t>, </a:t>
-            </a:r>
-            <a:r>
-              <a:rPr lang="en-US" dirty="0" smtClean="0"/>
-              <a:t>John, Paula</a:t>
+              <a:t>, John, Paula</a:t>
             </a:r>
             <a:endParaRPr lang="en-US" dirty="0"/>
           </a:p>
@@ -3633,327 +3623,6 @@
     <p:tnLst>
       <p:par>
         <p:cTn xmlns:p14="http://schemas.microsoft.com/office/powerpoint/2010/main" id="1" dur="indefinite" restart="never" nodeType="tmRoot"/>
-      </p:par>
-    </p:tnLst>
-  </p:timing>
-</p:sld>
-</file>
-
-<file path=ppt/slides/slide10.xml><?xml version="1.0" encoding="utf-8"?>
-<p:sld xmlns:a="http://schemas.openxmlformats.org/drawingml/2006/main" xmlns:r="http://schemas.openxmlformats.org/officeDocument/2006/relationships" xmlns:p="http://schemas.openxmlformats.org/presentationml/2006/main">
-  <p:cSld>
-    <p:spTree>
-      <p:nvGrpSpPr>
-        <p:cNvPr id="1" name=""/>
-        <p:cNvGrpSpPr/>
-        <p:nvPr/>
-      </p:nvGrpSpPr>
-      <p:grpSpPr>
-        <a:xfrm>
-          <a:off x="0" y="0"/>
-          <a:ext cx="0" cy="0"/>
-          <a:chOff x="0" y="0"/>
-          <a:chExt cx="0" cy="0"/>
-        </a:xfrm>
-      </p:grpSpPr>
-      <p:sp>
-        <p:nvSpPr>
-          <p:cNvPr id="2" name="Title 1"/>
-          <p:cNvSpPr>
-            <a:spLocks noGrp="1"/>
-          </p:cNvSpPr>
-          <p:nvPr>
-            <p:ph type="title"/>
-          </p:nvPr>
-        </p:nvSpPr>
-        <p:spPr>
-          <a:xfrm>
-            <a:off x="457200" y="-153641"/>
-            <a:ext cx="8229600" cy="1143000"/>
-          </a:xfrm>
-        </p:spPr>
-        <p:txBody>
-          <a:bodyPr>
-            <a:normAutofit/>
-          </a:bodyPr>
-          <a:lstStyle/>
-          <a:p>
-            <a:r>
-              <a:rPr lang="en-US" sz="3600" dirty="0" smtClean="0"/>
-              <a:t>Results: motion and sample size by age bin</a:t>
-            </a:r>
-            <a:endParaRPr lang="en-US" sz="3600" dirty="0"/>
-          </a:p>
-        </p:txBody>
-      </p:sp>
-    </p:spTree>
-    <p:extLst>
-      <p:ext uri="{BB962C8B-B14F-4D97-AF65-F5344CB8AC3E}">
-        <p14:creationId xmlns:p14="http://schemas.microsoft.com/office/powerpoint/2010/main" val="3984956104"/>
-      </p:ext>
-    </p:extLst>
-  </p:cSld>
-  <p:clrMapOvr>
-    <a:masterClrMapping/>
-  </p:clrMapOvr>
-</p:sld>
-</file>
-
-<file path=ppt/slides/slide11.xml><?xml version="1.0" encoding="utf-8"?>
-<p:sld xmlns:a="http://schemas.openxmlformats.org/drawingml/2006/main" xmlns:r="http://schemas.openxmlformats.org/officeDocument/2006/relationships" xmlns:p="http://schemas.openxmlformats.org/presentationml/2006/main">
-  <p:cSld>
-    <p:spTree>
-      <p:nvGrpSpPr>
-        <p:cNvPr id="1" name=""/>
-        <p:cNvGrpSpPr/>
-        <p:nvPr/>
-      </p:nvGrpSpPr>
-      <p:grpSpPr>
-        <a:xfrm>
-          <a:off x="0" y="0"/>
-          <a:ext cx="0" cy="0"/>
-          <a:chOff x="0" y="0"/>
-          <a:chExt cx="0" cy="0"/>
-        </a:xfrm>
-      </p:grpSpPr>
-      <p:sp>
-        <p:nvSpPr>
-          <p:cNvPr id="2" name="Title 1"/>
-          <p:cNvSpPr>
-            <a:spLocks noGrp="1"/>
-          </p:cNvSpPr>
-          <p:nvPr>
-            <p:ph type="title"/>
-          </p:nvPr>
-        </p:nvSpPr>
-        <p:spPr>
-          <a:xfrm>
-            <a:off x="457200" y="-133027"/>
-            <a:ext cx="8229600" cy="1143000"/>
-          </a:xfrm>
-        </p:spPr>
-        <p:txBody>
-          <a:bodyPr/>
-          <a:lstStyle/>
-          <a:p>
-            <a:r>
-              <a:rPr lang="en-US" dirty="0" smtClean="0"/>
-              <a:t>Future directions</a:t>
-            </a:r>
-            <a:endParaRPr lang="en-US" dirty="0"/>
-          </a:p>
-        </p:txBody>
-      </p:sp>
-      <p:sp>
-        <p:nvSpPr>
-          <p:cNvPr id="3" name="Content Placeholder 2"/>
-          <p:cNvSpPr>
-            <a:spLocks noGrp="1"/>
-          </p:cNvSpPr>
-          <p:nvPr>
-            <p:ph idx="1"/>
-          </p:nvPr>
-        </p:nvSpPr>
-        <p:spPr>
-          <a:xfrm>
-            <a:off x="457200" y="1009973"/>
-            <a:ext cx="8229600" cy="1869833"/>
-          </a:xfrm>
-        </p:spPr>
-        <p:txBody>
-          <a:bodyPr/>
-          <a:lstStyle/>
-          <a:p>
-            <a:pPr marL="0" lvl="1" indent="0">
-              <a:buNone/>
-            </a:pPr>
-            <a:r>
-              <a:rPr lang="en-US" dirty="0" smtClean="0"/>
-              <a:t>Sanity check: </a:t>
-            </a:r>
-            <a:r>
-              <a:rPr lang="en-US" dirty="0"/>
-              <a:t>past work has shown that motion decreases long range connectivity and increases short range connectivity </a:t>
-            </a:r>
-            <a:r>
-              <a:rPr lang="en-US" sz="2400" dirty="0"/>
-              <a:t>(Van </a:t>
-            </a:r>
-            <a:r>
-              <a:rPr lang="en-US" sz="2400" dirty="0" err="1"/>
-              <a:t>Dijk</a:t>
-            </a:r>
-            <a:r>
-              <a:rPr lang="en-US" sz="2400" dirty="0"/>
-              <a:t> et al., 2011). </a:t>
-            </a:r>
-            <a:r>
-              <a:rPr lang="en-US" dirty="0"/>
-              <a:t> Do we find this in our analysis as well? </a:t>
-            </a:r>
-          </a:p>
-          <a:p>
-            <a:endParaRPr lang="en-US" dirty="0"/>
-          </a:p>
-        </p:txBody>
-      </p:sp>
-      <p:pic>
-        <p:nvPicPr>
-          <p:cNvPr id="4" name="Picture 3"/>
-          <p:cNvPicPr>
-            <a:picLocks noChangeAspect="1"/>
-          </p:cNvPicPr>
-          <p:nvPr/>
-        </p:nvPicPr>
-        <p:blipFill>
-          <a:blip r:embed="rId2"/>
-          <a:stretch>
-            <a:fillRect/>
-          </a:stretch>
-        </p:blipFill>
-        <p:spPr>
-          <a:xfrm>
-            <a:off x="590872" y="3386720"/>
-            <a:ext cx="3562441" cy="3304164"/>
-          </a:xfrm>
-          <a:prstGeom prst="rect">
-            <a:avLst/>
-          </a:prstGeom>
-        </p:spPr>
-      </p:pic>
-      <p:pic>
-        <p:nvPicPr>
-          <p:cNvPr id="5" name="Picture 4"/>
-          <p:cNvPicPr>
-            <a:picLocks noChangeAspect="1"/>
-          </p:cNvPicPr>
-          <p:nvPr/>
-        </p:nvPicPr>
-        <p:blipFill>
-          <a:blip r:embed="rId3"/>
-          <a:stretch>
-            <a:fillRect/>
-          </a:stretch>
-        </p:blipFill>
-        <p:spPr>
-          <a:xfrm>
-            <a:off x="4431308" y="3754375"/>
-            <a:ext cx="4650206" cy="2400669"/>
-          </a:xfrm>
-          <a:prstGeom prst="rect">
-            <a:avLst/>
-          </a:prstGeom>
-        </p:spPr>
-      </p:pic>
-    </p:spTree>
-    <p:extLst>
-      <p:ext uri="{BB962C8B-B14F-4D97-AF65-F5344CB8AC3E}">
-        <p14:creationId xmlns:p14="http://schemas.microsoft.com/office/powerpoint/2010/main" val="3876113049"/>
-      </p:ext>
-    </p:extLst>
-  </p:cSld>
-  <p:clrMapOvr>
-    <a:masterClrMapping/>
-  </p:clrMapOvr>
-  <p:timing>
-    <p:tnLst>
-      <p:par>
-        <p:cTn xmlns:p14="http://schemas.microsoft.com/office/powerpoint/2010/main" id="1" dur="indefinite" restart="never" nodeType="tmRoot">
-          <p:childTnLst>
-            <p:seq concurrent="1" nextAc="seek">
-              <p:cTn id="2" dur="indefinite" nodeType="mainSeq">
-                <p:childTnLst>
-                  <p:par>
-                    <p:cTn id="3" fill="hold">
-                      <p:stCondLst>
-                        <p:cond delay="indefinite"/>
-                      </p:stCondLst>
-                      <p:childTnLst>
-                        <p:par>
-                          <p:cTn id="4" fill="hold">
-                            <p:stCondLst>
-                              <p:cond delay="0"/>
-                            </p:stCondLst>
-                            <p:childTnLst>
-                              <p:par>
-                                <p:cTn id="5" presetID="1" presetClass="entr" presetSubtype="0" fill="hold" nodeType="clickEffect">
-                                  <p:stCondLst>
-                                    <p:cond delay="0"/>
-                                  </p:stCondLst>
-                                  <p:childTnLst>
-                                    <p:set>
-                                      <p:cBhvr>
-                                        <p:cTn id="6" dur="1" fill="hold">
-                                          <p:stCondLst>
-                                            <p:cond delay="0"/>
-                                          </p:stCondLst>
-                                        </p:cTn>
-                                        <p:tgtEl>
-                                          <p:spTgt spid="4"/>
-                                        </p:tgtEl>
-                                        <p:attrNameLst>
-                                          <p:attrName>style.visibility</p:attrName>
-                                        </p:attrNameLst>
-                                      </p:cBhvr>
-                                      <p:to>
-                                        <p:strVal val="visible"/>
-                                      </p:to>
-                                    </p:set>
-                                  </p:childTnLst>
-                                </p:cTn>
-                              </p:par>
-                              <p:par>
-                                <p:cTn id="7" presetID="1" presetClass="entr" presetSubtype="0" fill="hold" nodeType="withEffect">
-                                  <p:stCondLst>
-                                    <p:cond delay="0"/>
-                                  </p:stCondLst>
-                                  <p:childTnLst>
-                                    <p:set>
-                                      <p:cBhvr>
-                                        <p:cTn id="8" dur="1" fill="hold">
-                                          <p:stCondLst>
-                                            <p:cond delay="0"/>
-                                          </p:stCondLst>
-                                        </p:cTn>
-                                        <p:tgtEl>
-                                          <p:spTgt spid="5"/>
-                                        </p:tgtEl>
-                                        <p:attrNameLst>
-                                          <p:attrName>style.visibility</p:attrName>
-                                        </p:attrNameLst>
-                                      </p:cBhvr>
-                                      <p:to>
-                                        <p:strVal val="visible"/>
-                                      </p:to>
-                                    </p:set>
-                                  </p:childTnLst>
-                                </p:cTn>
-                              </p:par>
-                            </p:childTnLst>
-                          </p:cTn>
-                        </p:par>
-                      </p:childTnLst>
-                    </p:cTn>
-                  </p:par>
-                </p:childTnLst>
-              </p:cTn>
-              <p:prevCondLst>
-                <p:cond evt="onPrev" delay="0">
-                  <p:tgtEl>
-                    <p:sldTgt/>
-                  </p:tgtEl>
-                </p:cond>
-              </p:prevCondLst>
-              <p:nextCondLst>
-                <p:cond evt="onNext" delay="0">
-                  <p:tgtEl>
-                    <p:sldTgt/>
-                  </p:tgtEl>
-                </p:cond>
-              </p:nextCondLst>
-            </p:seq>
-          </p:childTnLst>
-        </p:cTn>
       </p:par>
     </p:tnLst>
   </p:timing>
@@ -4010,10 +3679,15 @@
             <p:ph idx="1"/>
           </p:nvPr>
         </p:nvSpPr>
-        <p:spPr/>
+        <p:spPr>
+          <a:xfrm>
+            <a:off x="457201" y="1600200"/>
+            <a:ext cx="4592856" cy="3081331"/>
+          </a:xfrm>
+        </p:spPr>
         <p:txBody>
           <a:bodyPr>
-            <a:normAutofit fontScale="92500"/>
+            <a:normAutofit fontScale="77500" lnSpcReduction="20000"/>
           </a:bodyPr>
           <a:lstStyle/>
           <a:p>
@@ -4040,15 +3714,67 @@
             </a:pPr>
             <a:endParaRPr lang="en-US" dirty="0" smtClean="0"/>
           </a:p>
-          <a:p>
-            <a:pPr marL="0" indent="0">
-              <a:buNone/>
-            </a:pPr>
-            <a:r>
-              <a:rPr lang="en-US" i="1" dirty="0" smtClean="0"/>
+        </p:txBody>
+      </p:sp>
+      <p:pic>
+        <p:nvPicPr>
+          <p:cNvPr id="5" name="Picture 4" descr="Rplot.pdf"/>
+          <p:cNvPicPr>
+            <a:picLocks noChangeAspect="1"/>
+          </p:cNvPicPr>
+          <p:nvPr/>
+        </p:nvPicPr>
+        <p:blipFill>
+          <a:blip r:embed="rId2">
+            <a:extLst>
+              <a:ext uri="{28A0092B-C50C-407E-A947-70E740481C1C}">
+                <a14:useLocalDpi xmlns:a14="http://schemas.microsoft.com/office/drawing/2010/main" val="0"/>
+              </a:ext>
+            </a:extLst>
+          </a:blip>
+          <a:stretch>
+            <a:fillRect/>
+          </a:stretch>
+        </p:blipFill>
+        <p:spPr>
+          <a:xfrm>
+            <a:off x="5227806" y="1782343"/>
+            <a:ext cx="3772820" cy="2515213"/>
+          </a:xfrm>
+          <a:prstGeom prst="rect">
+            <a:avLst/>
+          </a:prstGeom>
+        </p:spPr>
+      </p:pic>
+      <p:sp>
+        <p:nvSpPr>
+          <p:cNvPr id="6" name="TextBox 5"/>
+          <p:cNvSpPr txBox="1"/>
+          <p:nvPr/>
+        </p:nvSpPr>
+        <p:spPr>
+          <a:xfrm>
+            <a:off x="856442" y="5050737"/>
+            <a:ext cx="7830358" cy="1231106"/>
+          </a:xfrm>
+          <a:prstGeom prst="rect">
+            <a:avLst/>
+          </a:prstGeom>
+          <a:noFill/>
+        </p:spPr>
+        <p:txBody>
+          <a:bodyPr wrap="square" rtlCol="0">
+            <a:spAutoFit/>
+          </a:bodyPr>
+          <a:lstStyle/>
+          <a:p>
+            <a:r>
+              <a:rPr lang="en-US" sz="2800" i="1" dirty="0"/>
               <a:t>What are the best practices for developmental imagers to yield reliable and reproducible results?</a:t>
             </a:r>
-            <a:endParaRPr lang="en-US" i="1" dirty="0" smtClean="0"/>
+          </a:p>
+          <a:p>
+            <a:endParaRPr lang="en-US" dirty="0"/>
           </a:p>
         </p:txBody>
       </p:sp>
@@ -4145,11 +3871,7 @@
                                           </p:stCondLst>
                                         </p:cTn>
                                         <p:tgtEl>
-                                          <p:spTgt spid="3">
-                                            <p:txEl>
-                                              <p:pRg st="1" end="1"/>
-                                            </p:txEl>
-                                          </p:spTgt>
+                                          <p:spTgt spid="5"/>
                                         </p:tgtEl>
                                         <p:attrNameLst>
                                           <p:attrName>style.visibility</p:attrName>
@@ -4196,7 +3918,7 @@
                                         <p:tgtEl>
                                           <p:spTgt spid="3">
                                             <p:txEl>
-                                              <p:pRg st="2" end="2"/>
+                                              <p:pRg st="1" end="1"/>
                                             </p:txEl>
                                           </p:spTgt>
                                         </p:tgtEl>
@@ -4245,7 +3967,56 @@
                                         <p:tgtEl>
                                           <p:spTgt spid="3">
                                             <p:txEl>
-                                              <p:pRg st="4" end="4"/>
+                                              <p:pRg st="2" end="2"/>
+                                            </p:txEl>
+                                          </p:spTgt>
+                                        </p:tgtEl>
+                                        <p:attrNameLst>
+                                          <p:attrName>style.visibility</p:attrName>
+                                        </p:attrNameLst>
+                                      </p:cBhvr>
+                                      <p:to>
+                                        <p:strVal val="visible"/>
+                                      </p:to>
+                                    </p:set>
+                                  </p:childTnLst>
+                                </p:cTn>
+                              </p:par>
+                            </p:childTnLst>
+                          </p:cTn>
+                        </p:par>
+                      </p:childTnLst>
+                    </p:cTn>
+                  </p:par>
+                  <p:par>
+                    <p:cTn id="19" fill="hold">
+                      <p:stCondLst>
+                        <p:cond delay="indefinite"/>
+                      </p:stCondLst>
+                      <p:childTnLst>
+                        <p:par>
+                          <p:cTn id="20" fill="hold">
+                            <p:stCondLst>
+                              <p:cond delay="0"/>
+                            </p:stCondLst>
+                            <p:childTnLst>
+                              <p:par>
+                                <p:cTn id="21" presetID="1" presetClass="entr" presetSubtype="0" fill="hold" nodeType="clickEffect">
+                                  <p:stCondLst>
+                                    <p:cond delay="0"/>
+                                  </p:stCondLst>
+                                  <p:childTnLst>
+                                    <p:set>
+                                      <p:cBhvr>
+                                        <p:cTn id="22" dur="1" fill="hold">
+                                          <p:stCondLst>
+                                            <p:cond delay="0"/>
+                                          </p:stCondLst>
+                                        </p:cTn>
+                                        <p:tgtEl>
+                                          <p:spTgt spid="6">
+                                            <p:txEl>
+                                              <p:pRg st="0" end="0"/>
                                             </p:txEl>
                                           </p:spTgt>
                                         </p:tgtEl>
@@ -11565,7 +11336,7 @@
         </p:nvSpPr>
         <p:spPr>
           <a:xfrm>
-            <a:off x="457200" y="-153641"/>
+            <a:off x="457200" y="-133027"/>
             <a:ext cx="8229600" cy="1143000"/>
           </a:xfrm>
         </p:spPr>
@@ -11575,22 +11346,225 @@
           <a:p>
             <a:r>
               <a:rPr lang="en-US" dirty="0" smtClean="0"/>
-              <a:t>Results: motion and sample size</a:t>
+              <a:t>Future directions</a:t>
             </a:r>
             <a:endParaRPr lang="en-US" dirty="0"/>
           </a:p>
         </p:txBody>
       </p:sp>
+      <p:sp>
+        <p:nvSpPr>
+          <p:cNvPr id="3" name="Content Placeholder 2"/>
+          <p:cNvSpPr>
+            <a:spLocks noGrp="1"/>
+          </p:cNvSpPr>
+          <p:nvPr>
+            <p:ph idx="1"/>
+          </p:nvPr>
+        </p:nvSpPr>
+        <p:spPr>
+          <a:xfrm>
+            <a:off x="457200" y="1009973"/>
+            <a:ext cx="8229600" cy="1869833"/>
+          </a:xfrm>
+        </p:spPr>
+        <p:txBody>
+          <a:bodyPr/>
+          <a:lstStyle/>
+          <a:p>
+            <a:pPr marL="0" lvl="1" indent="0">
+              <a:buNone/>
+            </a:pPr>
+            <a:r>
+              <a:rPr lang="en-US" dirty="0" smtClean="0"/>
+              <a:t>Sanity check: </a:t>
+            </a:r>
+            <a:r>
+              <a:rPr lang="en-US" dirty="0"/>
+              <a:t>past work has shown that motion decreases long range connectivity and increases short range connectivity </a:t>
+            </a:r>
+            <a:r>
+              <a:rPr lang="en-US" sz="2400" dirty="0"/>
+              <a:t>(Van </a:t>
+            </a:r>
+            <a:r>
+              <a:rPr lang="en-US" sz="2400" dirty="0" err="1"/>
+              <a:t>Dijk</a:t>
+            </a:r>
+            <a:r>
+              <a:rPr lang="en-US" sz="2400" dirty="0"/>
+              <a:t> et al., 2011). </a:t>
+            </a:r>
+            <a:r>
+              <a:rPr lang="en-US" dirty="0"/>
+              <a:t> Do we find this in our analysis as well? </a:t>
+            </a:r>
+          </a:p>
+          <a:p>
+            <a:endParaRPr lang="en-US" dirty="0"/>
+          </a:p>
+        </p:txBody>
+      </p:sp>
+      <p:pic>
+        <p:nvPicPr>
+          <p:cNvPr id="4" name="Picture 3"/>
+          <p:cNvPicPr>
+            <a:picLocks noChangeAspect="1"/>
+          </p:cNvPicPr>
+          <p:nvPr/>
+        </p:nvPicPr>
+        <p:blipFill>
+          <a:blip r:embed="rId2"/>
+          <a:stretch>
+            <a:fillRect/>
+          </a:stretch>
+        </p:blipFill>
+        <p:spPr>
+          <a:xfrm>
+            <a:off x="590872" y="3386720"/>
+            <a:ext cx="3562441" cy="3304164"/>
+          </a:xfrm>
+          <a:prstGeom prst="rect">
+            <a:avLst/>
+          </a:prstGeom>
+        </p:spPr>
+      </p:pic>
+      <p:pic>
+        <p:nvPicPr>
+          <p:cNvPr id="5" name="Picture 4"/>
+          <p:cNvPicPr>
+            <a:picLocks noChangeAspect="1"/>
+          </p:cNvPicPr>
+          <p:nvPr/>
+        </p:nvPicPr>
+        <p:blipFill>
+          <a:blip r:embed="rId3"/>
+          <a:stretch>
+            <a:fillRect/>
+          </a:stretch>
+        </p:blipFill>
+        <p:spPr>
+          <a:xfrm>
+            <a:off x="4431308" y="3754375"/>
+            <a:ext cx="4650206" cy="2400669"/>
+          </a:xfrm>
+          <a:prstGeom prst="rect">
+            <a:avLst/>
+          </a:prstGeom>
+        </p:spPr>
+      </p:pic>
     </p:spTree>
     <p:extLst>
       <p:ext uri="{BB962C8B-B14F-4D97-AF65-F5344CB8AC3E}">
-        <p14:creationId xmlns:p14="http://schemas.microsoft.com/office/powerpoint/2010/main" val="1191059197"/>
+        <p14:creationId xmlns:p14="http://schemas.microsoft.com/office/powerpoint/2010/main" val="3876113049"/>
       </p:ext>
     </p:extLst>
   </p:cSld>
   <p:clrMapOvr>
     <a:masterClrMapping/>
   </p:clrMapOvr>
+  <p:timing>
+    <p:tnLst>
+      <p:par>
+        <p:cTn xmlns:p14="http://schemas.microsoft.com/office/powerpoint/2010/main" id="1" dur="indefinite" restart="never" nodeType="tmRoot">
+          <p:childTnLst>
+            <p:seq concurrent="1" nextAc="seek">
+              <p:cTn id="2" dur="indefinite" nodeType="mainSeq">
+                <p:childTnLst>
+                  <p:par>
+                    <p:cTn id="3" fill="hold">
+                      <p:stCondLst>
+                        <p:cond delay="indefinite"/>
+                      </p:stCondLst>
+                      <p:childTnLst>
+                        <p:par>
+                          <p:cTn id="4" fill="hold">
+                            <p:stCondLst>
+                              <p:cond delay="0"/>
+                            </p:stCondLst>
+                            <p:childTnLst>
+                              <p:par>
+                                <p:cTn id="5" presetID="1" presetClass="entr" presetSubtype="0" fill="hold" nodeType="clickEffect">
+                                  <p:stCondLst>
+                                    <p:cond delay="0"/>
+                                  </p:stCondLst>
+                                  <p:childTnLst>
+                                    <p:set>
+                                      <p:cBhvr>
+                                        <p:cTn id="6" dur="1" fill="hold">
+                                          <p:stCondLst>
+                                            <p:cond delay="0"/>
+                                          </p:stCondLst>
+                                        </p:cTn>
+                                        <p:tgtEl>
+                                          <p:spTgt spid="4"/>
+                                        </p:tgtEl>
+                                        <p:attrNameLst>
+                                          <p:attrName>style.visibility</p:attrName>
+                                        </p:attrNameLst>
+                                      </p:cBhvr>
+                                      <p:to>
+                                        <p:strVal val="visible"/>
+                                      </p:to>
+                                    </p:set>
+                                  </p:childTnLst>
+                                </p:cTn>
+                              </p:par>
+                              <p:par>
+                                <p:cTn id="7" presetID="1" presetClass="entr" presetSubtype="0" fill="hold" nodeType="withEffect">
+                                  <p:stCondLst>
+                                    <p:cond delay="0"/>
+                                  </p:stCondLst>
+                                  <p:childTnLst>
+                                    <p:set>
+                                      <p:cBhvr>
+                                        <p:cTn id="8" dur="1" fill="hold">
+                                          <p:stCondLst>
+                                            <p:cond delay="0"/>
+                                          </p:stCondLst>
+                                        </p:cTn>
+                                        <p:tgtEl>
+                                          <p:spTgt spid="5"/>
+                                        </p:tgtEl>
+                                        <p:attrNameLst>
+                                          <p:attrName>style.visibility</p:attrName>
+                                        </p:attrNameLst>
+                                      </p:cBhvr>
+                                      <p:to>
+                                        <p:strVal val="visible"/>
+                                      </p:to>
+                                    </p:set>
+                                  </p:childTnLst>
+                                </p:cTn>
+                              </p:par>
+                            </p:childTnLst>
+                          </p:cTn>
+                        </p:par>
+                      </p:childTnLst>
+                    </p:cTn>
+                  </p:par>
+                </p:childTnLst>
+              </p:cTn>
+              <p:prevCondLst>
+                <p:cond evt="onPrev" delay="0">
+                  <p:tgtEl>
+                    <p:sldTgt/>
+                  </p:tgtEl>
+                </p:cond>
+              </p:prevCondLst>
+              <p:nextCondLst>
+                <p:cond evt="onNext" delay="0">
+                  <p:tgtEl>
+                    <p:sldTgt/>
+                  </p:tgtEl>
+                </p:cond>
+              </p:nextCondLst>
+            </p:seq>
+          </p:childTnLst>
+        </p:cTn>
+      </p:par>
+    </p:tnLst>
+  </p:timing>
 </p:sld>
 </file>
 

--- a/dev methodological issue.pptx
+++ b/dev methodological issue.pptx
@@ -5,7 +5,7 @@
     <p:sldMasterId id="2147483648" r:id="rId1"/>
   </p:sldMasterIdLst>
   <p:notesMasterIdLst>
-    <p:notesMasterId r:id="rId11"/>
+    <p:notesMasterId r:id="rId13"/>
   </p:notesMasterIdLst>
   <p:sldIdLst>
     <p:sldId id="256" r:id="rId2"/>
@@ -16,7 +16,9 @@
     <p:sldId id="264" r:id="rId7"/>
     <p:sldId id="259" r:id="rId8"/>
     <p:sldId id="260" r:id="rId9"/>
-    <p:sldId id="267" r:id="rId10"/>
+    <p:sldId id="268" r:id="rId10"/>
+    <p:sldId id="267" r:id="rId11"/>
+    <p:sldId id="269" r:id="rId12"/>
   </p:sldIdLst>
   <p:sldSz cx="9144000" cy="6858000" type="screen4x3"/>
   <p:notesSz cx="6858000" cy="9144000"/>
@@ -3560,7 +3562,7 @@
         </p:nvSpPr>
         <p:spPr>
           <a:xfrm>
-            <a:off x="685800" y="1236655"/>
+            <a:off x="685800" y="0"/>
             <a:ext cx="7772400" cy="2363796"/>
           </a:xfrm>
         </p:spPr>
@@ -3578,41 +3580,560 @@
           </a:p>
         </p:txBody>
       </p:sp>
-      <p:sp>
-        <p:nvSpPr>
-          <p:cNvPr id="3" name="Subtitle 2"/>
+      <p:pic>
+        <p:nvPicPr>
+          <p:cNvPr id="5" name="Picture 4" descr="Team kids.motion #worried.jpg"/>
+          <p:cNvPicPr>
+            <a:picLocks noChangeAspect="1"/>
+          </p:cNvPicPr>
+          <p:nvPr/>
+        </p:nvPicPr>
+        <p:blipFill rotWithShape="1">
+          <a:blip r:embed="rId2">
+            <a:extLst>
+              <a:ext uri="{28A0092B-C50C-407E-A947-70E740481C1C}">
+                <a14:useLocalDpi xmlns:a14="http://schemas.microsoft.com/office/drawing/2010/main" val="0"/>
+              </a:ext>
+            </a:extLst>
+          </a:blip>
+          <a:srcRect l="11187" t="1" r="13984" b="13268"/>
+          <a:stretch/>
+        </p:blipFill>
+        <p:spPr>
+          <a:xfrm>
+            <a:off x="2347834" y="2363797"/>
+            <a:ext cx="4444641" cy="3897936"/>
+          </a:xfrm>
+          <a:prstGeom prst="rect">
+            <a:avLst/>
+          </a:prstGeom>
+        </p:spPr>
+      </p:pic>
+      <p:pic>
+        <p:nvPicPr>
+          <p:cNvPr id="6" name="Picture 5"/>
+          <p:cNvPicPr>
+            <a:picLocks noChangeAspect="1"/>
+          </p:cNvPicPr>
+          <p:nvPr/>
+        </p:nvPicPr>
+        <p:blipFill>
+          <a:blip r:embed="rId3"/>
+          <a:stretch>
+            <a:fillRect/>
+          </a:stretch>
+        </p:blipFill>
+        <p:spPr>
+          <a:xfrm>
+            <a:off x="3817607" y="4653677"/>
+            <a:ext cx="1588959" cy="1588959"/>
+          </a:xfrm>
+          <a:prstGeom prst="rect">
+            <a:avLst/>
+          </a:prstGeom>
+        </p:spPr>
+      </p:pic>
+      <p:sp>
+        <p:nvSpPr>
+          <p:cNvPr id="8" name="Rectangle 7"/>
+          <p:cNvSpPr/>
+          <p:nvPr/>
+        </p:nvSpPr>
+        <p:spPr>
+          <a:xfrm>
+            <a:off x="3100911" y="4666771"/>
+            <a:ext cx="915507" cy="1575865"/>
+          </a:xfrm>
+          <a:prstGeom prst="rect">
+            <a:avLst/>
+          </a:prstGeom>
+          <a:solidFill>
+            <a:schemeClr val="tx1"/>
+          </a:solidFill>
+          <a:ln>
+            <a:solidFill>
+              <a:schemeClr val="tx1"/>
+            </a:solidFill>
+          </a:ln>
+          <a:effectLst/>
+        </p:spPr>
+        <p:style>
+          <a:lnRef idx="1">
+            <a:schemeClr val="accent1"/>
+          </a:lnRef>
+          <a:fillRef idx="3">
+            <a:schemeClr val="accent1"/>
+          </a:fillRef>
+          <a:effectRef idx="2">
+            <a:schemeClr val="accent1"/>
+          </a:effectRef>
+          <a:fontRef idx="minor">
+            <a:schemeClr val="lt1"/>
+          </a:fontRef>
+        </p:style>
+        <p:txBody>
+          <a:bodyPr rtlCol="0" anchor="ctr"/>
+          <a:lstStyle/>
+          <a:p>
+            <a:pPr algn="ctr"/>
+            <a:endParaRPr lang="en-US"/>
+          </a:p>
+        </p:txBody>
+      </p:sp>
+      <p:sp>
+        <p:nvSpPr>
+          <p:cNvPr id="7" name="TextBox 6"/>
+          <p:cNvSpPr txBox="1"/>
+          <p:nvPr/>
+        </p:nvSpPr>
+        <p:spPr>
+          <a:xfrm>
+            <a:off x="3100911" y="4976842"/>
+            <a:ext cx="1233515" cy="646331"/>
+          </a:xfrm>
+          <a:prstGeom prst="rect">
+            <a:avLst/>
+          </a:prstGeom>
+          <a:noFill/>
+        </p:spPr>
+        <p:txBody>
+          <a:bodyPr wrap="square" rtlCol="0">
+            <a:spAutoFit/>
+          </a:bodyPr>
+          <a:lstStyle/>
+          <a:p>
+            <a:r>
+              <a:rPr lang="en-US" dirty="0" smtClean="0">
+                <a:solidFill>
+                  <a:schemeClr val="bg1"/>
+                </a:solidFill>
+              </a:rPr>
+              <a:t>Solve this in 4 days! </a:t>
+            </a:r>
+            <a:endParaRPr lang="en-US" dirty="0">
+              <a:solidFill>
+                <a:schemeClr val="bg1"/>
+              </a:solidFill>
+            </a:endParaRPr>
+          </a:p>
+        </p:txBody>
+      </p:sp>
+      <p:sp>
+        <p:nvSpPr>
+          <p:cNvPr id="9" name="TextBox 8"/>
+          <p:cNvSpPr txBox="1"/>
+          <p:nvPr/>
+        </p:nvSpPr>
+        <p:spPr>
+          <a:xfrm>
+            <a:off x="2347834" y="6409415"/>
+            <a:ext cx="5862201" cy="369332"/>
+          </a:xfrm>
+          <a:prstGeom prst="rect">
+            <a:avLst/>
+          </a:prstGeom>
+          <a:noFill/>
+        </p:spPr>
+        <p:txBody>
+          <a:bodyPr wrap="square" rtlCol="0">
+            <a:spAutoFit/>
+          </a:bodyPr>
+          <a:lstStyle/>
+          <a:p>
+            <a:r>
+              <a:rPr lang="en-US" dirty="0"/>
+              <a:t>https://</a:t>
+            </a:r>
+            <a:r>
+              <a:rPr lang="en-US" dirty="0" err="1"/>
+              <a:t>github.com</a:t>
+            </a:r>
+            <a:r>
+              <a:rPr lang="en-US" dirty="0"/>
+              <a:t>/</a:t>
+            </a:r>
+            <a:r>
+              <a:rPr lang="en-US" dirty="0" err="1"/>
+              <a:t>neurohackweek</a:t>
+            </a:r>
+            <a:r>
+              <a:rPr lang="en-US" dirty="0"/>
+              <a:t>/kids</a:t>
+            </a:r>
+          </a:p>
+        </p:txBody>
+      </p:sp>
+    </p:spTree>
+    <p:extLst>
+      <p:ext uri="{BB962C8B-B14F-4D97-AF65-F5344CB8AC3E}">
+        <p14:creationId xmlns:p14="http://schemas.microsoft.com/office/powerpoint/2010/main" val="471180316"/>
+      </p:ext>
+    </p:extLst>
+  </p:cSld>
+  <p:clrMapOvr>
+    <a:masterClrMapping/>
+  </p:clrMapOvr>
+  <p:timing>
+    <p:tnLst>
+      <p:par>
+        <p:cTn xmlns:p14="http://schemas.microsoft.com/office/powerpoint/2010/main" id="1" dur="indefinite" restart="never" nodeType="tmRoot"/>
+      </p:par>
+    </p:tnLst>
+  </p:timing>
+</p:sld>
+</file>
+
+<file path=ppt/slides/slide10.xml><?xml version="1.0" encoding="utf-8"?>
+<p:sld xmlns:a="http://schemas.openxmlformats.org/drawingml/2006/main" xmlns:r="http://schemas.openxmlformats.org/officeDocument/2006/relationships" xmlns:p="http://schemas.openxmlformats.org/presentationml/2006/main">
+  <p:cSld>
+    <p:spTree>
+      <p:nvGrpSpPr>
+        <p:cNvPr id="1" name=""/>
+        <p:cNvGrpSpPr/>
+        <p:nvPr/>
+      </p:nvGrpSpPr>
+      <p:grpSpPr>
+        <a:xfrm>
+          <a:off x="0" y="0"/>
+          <a:ext cx="0" cy="0"/>
+          <a:chOff x="0" y="0"/>
+          <a:chExt cx="0" cy="0"/>
+        </a:xfrm>
+      </p:grpSpPr>
+      <p:sp>
+        <p:nvSpPr>
+          <p:cNvPr id="2" name="Title 1"/>
           <p:cNvSpPr>
             <a:spLocks noGrp="1"/>
           </p:cNvSpPr>
           <p:nvPr>
-            <p:ph type="subTitle" idx="1"/>
+            <p:ph type="title"/>
           </p:nvPr>
         </p:nvSpPr>
-        <p:spPr/>
+        <p:spPr>
+          <a:xfrm>
+            <a:off x="457200" y="-133027"/>
+            <a:ext cx="8229600" cy="1143000"/>
+          </a:xfrm>
+        </p:spPr>
         <p:txBody>
           <a:bodyPr/>
           <a:lstStyle/>
           <a:p>
             <a:r>
               <a:rPr lang="en-US" dirty="0" smtClean="0"/>
-              <a:t>Julia, </a:t>
-            </a:r>
-            <a:r>
-              <a:rPr lang="en-US" dirty="0" err="1" smtClean="0"/>
-              <a:t>Kirstie</a:t>
-            </a:r>
+              <a:t>Future directions</a:t>
+            </a:r>
+            <a:endParaRPr lang="en-US" dirty="0"/>
+          </a:p>
+        </p:txBody>
+      </p:sp>
+      <p:sp>
+        <p:nvSpPr>
+          <p:cNvPr id="3" name="Content Placeholder 2"/>
+          <p:cNvSpPr>
+            <a:spLocks noGrp="1"/>
+          </p:cNvSpPr>
+          <p:nvPr>
+            <p:ph idx="1"/>
+          </p:nvPr>
+        </p:nvSpPr>
+        <p:spPr>
+          <a:xfrm>
+            <a:off x="457200" y="1009973"/>
+            <a:ext cx="8229600" cy="1869833"/>
+          </a:xfrm>
+        </p:spPr>
+        <p:txBody>
+          <a:bodyPr/>
+          <a:lstStyle/>
+          <a:p>
+            <a:pPr marL="0" lvl="1" indent="0">
+              <a:buNone/>
+            </a:pPr>
             <a:r>
               <a:rPr lang="en-US" dirty="0" smtClean="0"/>
-              <a:t>, John, Paula</a:t>
-            </a:r>
+              <a:t>Sanity check: </a:t>
+            </a:r>
+            <a:r>
+              <a:rPr lang="en-US" dirty="0"/>
+              <a:t>past work has shown that motion decreases long range connectivity and increases short range connectivity </a:t>
+            </a:r>
+            <a:r>
+              <a:rPr lang="en-US" sz="2400" dirty="0"/>
+              <a:t>(Van </a:t>
+            </a:r>
+            <a:r>
+              <a:rPr lang="en-US" sz="2400" dirty="0" err="1"/>
+              <a:t>Dijk</a:t>
+            </a:r>
+            <a:r>
+              <a:rPr lang="en-US" sz="2400" dirty="0"/>
+              <a:t> et al., 2011). </a:t>
+            </a:r>
+            <a:r>
+              <a:rPr lang="en-US" dirty="0"/>
+              <a:t> Do we find this in our analysis as well? </a:t>
+            </a:r>
+          </a:p>
+          <a:p>
             <a:endParaRPr lang="en-US" dirty="0"/>
           </a:p>
         </p:txBody>
       </p:sp>
+      <p:pic>
+        <p:nvPicPr>
+          <p:cNvPr id="4" name="Picture 3"/>
+          <p:cNvPicPr>
+            <a:picLocks noChangeAspect="1"/>
+          </p:cNvPicPr>
+          <p:nvPr/>
+        </p:nvPicPr>
+        <p:blipFill>
+          <a:blip r:embed="rId2"/>
+          <a:stretch>
+            <a:fillRect/>
+          </a:stretch>
+        </p:blipFill>
+        <p:spPr>
+          <a:xfrm>
+            <a:off x="590872" y="3386720"/>
+            <a:ext cx="3562441" cy="3304164"/>
+          </a:xfrm>
+          <a:prstGeom prst="rect">
+            <a:avLst/>
+          </a:prstGeom>
+        </p:spPr>
+      </p:pic>
+      <p:pic>
+        <p:nvPicPr>
+          <p:cNvPr id="5" name="Picture 4"/>
+          <p:cNvPicPr>
+            <a:picLocks noChangeAspect="1"/>
+          </p:cNvPicPr>
+          <p:nvPr/>
+        </p:nvPicPr>
+        <p:blipFill>
+          <a:blip r:embed="rId3"/>
+          <a:stretch>
+            <a:fillRect/>
+          </a:stretch>
+        </p:blipFill>
+        <p:spPr>
+          <a:xfrm>
+            <a:off x="4431308" y="3754375"/>
+            <a:ext cx="4650206" cy="2400669"/>
+          </a:xfrm>
+          <a:prstGeom prst="rect">
+            <a:avLst/>
+          </a:prstGeom>
+        </p:spPr>
+      </p:pic>
     </p:spTree>
     <p:extLst>
       <p:ext uri="{BB962C8B-B14F-4D97-AF65-F5344CB8AC3E}">
-        <p14:creationId xmlns:p14="http://schemas.microsoft.com/office/powerpoint/2010/main" val="471180316"/>
+        <p14:creationId xmlns:p14="http://schemas.microsoft.com/office/powerpoint/2010/main" val="3876113049"/>
+      </p:ext>
+    </p:extLst>
+  </p:cSld>
+  <p:clrMapOvr>
+    <a:masterClrMapping/>
+  </p:clrMapOvr>
+  <p:timing>
+    <p:tnLst>
+      <p:par>
+        <p:cTn xmlns:p14="http://schemas.microsoft.com/office/powerpoint/2010/main" id="1" dur="indefinite" restart="never" nodeType="tmRoot">
+          <p:childTnLst>
+            <p:seq concurrent="1" nextAc="seek">
+              <p:cTn id="2" dur="indefinite" nodeType="mainSeq">
+                <p:childTnLst>
+                  <p:par>
+                    <p:cTn id="3" fill="hold">
+                      <p:stCondLst>
+                        <p:cond delay="indefinite"/>
+                      </p:stCondLst>
+                      <p:childTnLst>
+                        <p:par>
+                          <p:cTn id="4" fill="hold">
+                            <p:stCondLst>
+                              <p:cond delay="0"/>
+                            </p:stCondLst>
+                            <p:childTnLst>
+                              <p:par>
+                                <p:cTn id="5" presetID="1" presetClass="entr" presetSubtype="0" fill="hold" nodeType="clickEffect">
+                                  <p:stCondLst>
+                                    <p:cond delay="0"/>
+                                  </p:stCondLst>
+                                  <p:childTnLst>
+                                    <p:set>
+                                      <p:cBhvr>
+                                        <p:cTn id="6" dur="1" fill="hold">
+                                          <p:stCondLst>
+                                            <p:cond delay="0"/>
+                                          </p:stCondLst>
+                                        </p:cTn>
+                                        <p:tgtEl>
+                                          <p:spTgt spid="4"/>
+                                        </p:tgtEl>
+                                        <p:attrNameLst>
+                                          <p:attrName>style.visibility</p:attrName>
+                                        </p:attrNameLst>
+                                      </p:cBhvr>
+                                      <p:to>
+                                        <p:strVal val="visible"/>
+                                      </p:to>
+                                    </p:set>
+                                  </p:childTnLst>
+                                </p:cTn>
+                              </p:par>
+                              <p:par>
+                                <p:cTn id="7" presetID="1" presetClass="entr" presetSubtype="0" fill="hold" nodeType="withEffect">
+                                  <p:stCondLst>
+                                    <p:cond delay="0"/>
+                                  </p:stCondLst>
+                                  <p:childTnLst>
+                                    <p:set>
+                                      <p:cBhvr>
+                                        <p:cTn id="8" dur="1" fill="hold">
+                                          <p:stCondLst>
+                                            <p:cond delay="0"/>
+                                          </p:stCondLst>
+                                        </p:cTn>
+                                        <p:tgtEl>
+                                          <p:spTgt spid="5"/>
+                                        </p:tgtEl>
+                                        <p:attrNameLst>
+                                          <p:attrName>style.visibility</p:attrName>
+                                        </p:attrNameLst>
+                                      </p:cBhvr>
+                                      <p:to>
+                                        <p:strVal val="visible"/>
+                                      </p:to>
+                                    </p:set>
+                                  </p:childTnLst>
+                                </p:cTn>
+                              </p:par>
+                            </p:childTnLst>
+                          </p:cTn>
+                        </p:par>
+                      </p:childTnLst>
+                    </p:cTn>
+                  </p:par>
+                </p:childTnLst>
+              </p:cTn>
+              <p:prevCondLst>
+                <p:cond evt="onPrev" delay="0">
+                  <p:tgtEl>
+                    <p:sldTgt/>
+                  </p:tgtEl>
+                </p:cond>
+              </p:prevCondLst>
+              <p:nextCondLst>
+                <p:cond evt="onNext" delay="0">
+                  <p:tgtEl>
+                    <p:sldTgt/>
+                  </p:tgtEl>
+                </p:cond>
+              </p:nextCondLst>
+            </p:seq>
+          </p:childTnLst>
+        </p:cTn>
+      </p:par>
+    </p:tnLst>
+  </p:timing>
+</p:sld>
+</file>
+
+<file path=ppt/slides/slide11.xml><?xml version="1.0" encoding="utf-8"?>
+<p:sld xmlns:a="http://schemas.openxmlformats.org/drawingml/2006/main" xmlns:r="http://schemas.openxmlformats.org/officeDocument/2006/relationships" xmlns:p="http://schemas.openxmlformats.org/presentationml/2006/main">
+  <p:cSld>
+    <p:spTree>
+      <p:nvGrpSpPr>
+        <p:cNvPr id="1" name=""/>
+        <p:cNvGrpSpPr/>
+        <p:nvPr/>
+      </p:nvGrpSpPr>
+      <p:grpSpPr>
+        <a:xfrm>
+          <a:off x="0" y="0"/>
+          <a:ext cx="0" cy="0"/>
+          <a:chOff x="0" y="0"/>
+          <a:chExt cx="0" cy="0"/>
+        </a:xfrm>
+      </p:grpSpPr>
+      <p:sp>
+        <p:nvSpPr>
+          <p:cNvPr id="2" name="Title 1"/>
+          <p:cNvSpPr>
+            <a:spLocks noGrp="1"/>
+          </p:cNvSpPr>
+          <p:nvPr>
+            <p:ph type="title"/>
+          </p:nvPr>
+        </p:nvSpPr>
+        <p:spPr/>
+        <p:txBody>
+          <a:bodyPr/>
+          <a:lstStyle/>
+          <a:p>
+            <a:r>
+              <a:rPr lang="en-US" dirty="0" smtClean="0"/>
+              <a:t>Future directions</a:t>
+            </a:r>
+            <a:endParaRPr lang="en-US" dirty="0"/>
+          </a:p>
+        </p:txBody>
+      </p:sp>
+      <p:sp>
+        <p:nvSpPr>
+          <p:cNvPr id="3" name="Content Placeholder 2"/>
+          <p:cNvSpPr>
+            <a:spLocks noGrp="1"/>
+          </p:cNvSpPr>
+          <p:nvPr>
+            <p:ph idx="1"/>
+          </p:nvPr>
+        </p:nvSpPr>
+        <p:spPr/>
+        <p:txBody>
+          <a:bodyPr/>
+          <a:lstStyle/>
+          <a:p>
+            <a:pPr marL="0" indent="0">
+              <a:buNone/>
+            </a:pPr>
+            <a:r>
+              <a:rPr lang="en-US" dirty="0" smtClean="0"/>
+              <a:t>A tool for others:</a:t>
+            </a:r>
+          </a:p>
+          <a:p>
+            <a:pPr>
+              <a:buFontTx/>
+              <a:buChar char="-"/>
+            </a:pPr>
+            <a:r>
+              <a:rPr lang="en-US" dirty="0" smtClean="0"/>
+              <a:t>Easy methods for using other data-sets</a:t>
+            </a:r>
+          </a:p>
+          <a:p>
+            <a:pPr>
+              <a:buFontTx/>
+              <a:buChar char="-"/>
+            </a:pPr>
+            <a:r>
+              <a:rPr lang="en-US" dirty="0" smtClean="0"/>
+              <a:t>Flexibly pass in custom methods for generating comparison measure</a:t>
+            </a:r>
+            <a:endParaRPr lang="en-US" dirty="0"/>
+          </a:p>
+        </p:txBody>
+      </p:sp>
+    </p:spTree>
+    <p:extLst>
+      <p:ext uri="{BB962C8B-B14F-4D97-AF65-F5344CB8AC3E}">
+        <p14:creationId xmlns:p14="http://schemas.microsoft.com/office/powerpoint/2010/main" val="75133792"/>
       </p:ext>
     </p:extLst>
   </p:cSld>
@@ -11334,19 +11855,14 @@
             <p:ph type="title"/>
           </p:nvPr>
         </p:nvSpPr>
-        <p:spPr>
-          <a:xfrm>
-            <a:off x="457200" y="-133027"/>
-            <a:ext cx="8229600" cy="1143000"/>
-          </a:xfrm>
-        </p:spPr>
+        <p:spPr/>
         <p:txBody>
           <a:bodyPr/>
           <a:lstStyle/>
           <a:p>
             <a:r>
               <a:rPr lang="en-US" dirty="0" smtClean="0"/>
-              <a:t>Future directions</a:t>
+              <a:t>Results!</a:t>
             </a:r>
             <a:endParaRPr lang="en-US" dirty="0"/>
           </a:p>
@@ -11362,101 +11878,23 @@
             <p:ph idx="1"/>
           </p:nvPr>
         </p:nvSpPr>
-        <p:spPr>
-          <a:xfrm>
-            <a:off x="457200" y="1009973"/>
-            <a:ext cx="8229600" cy="1869833"/>
-          </a:xfrm>
-        </p:spPr>
+        <p:spPr/>
         <p:txBody>
           <a:bodyPr/>
           <a:lstStyle/>
           <a:p>
-            <a:pPr marL="0" lvl="1" indent="0">
-              <a:buNone/>
-            </a:pPr>
             <a:r>
               <a:rPr lang="en-US" dirty="0" smtClean="0"/>
-              <a:t>Sanity check: </a:t>
-            </a:r>
-            <a:r>
-              <a:rPr lang="en-US" dirty="0"/>
-              <a:t>past work has shown that motion decreases long range connectivity and increases short range connectivity </a:t>
-            </a:r>
-            <a:r>
-              <a:rPr lang="en-US" sz="2400" dirty="0"/>
-              <a:t>(Van </a:t>
-            </a:r>
-            <a:r>
-              <a:rPr lang="en-US" sz="2400" dirty="0" err="1"/>
-              <a:t>Dijk</a:t>
-            </a:r>
-            <a:r>
-              <a:rPr lang="en-US" sz="2400" dirty="0"/>
-              <a:t> et al., 2011). </a:t>
-            </a:r>
-            <a:r>
-              <a:rPr lang="en-US" dirty="0"/>
-              <a:t> Do we find this in our analysis as well? </a:t>
-            </a:r>
-          </a:p>
-          <a:p>
+              <a:t>Kind of…</a:t>
+            </a:r>
             <a:endParaRPr lang="en-US" dirty="0"/>
           </a:p>
         </p:txBody>
       </p:sp>
-      <p:pic>
-        <p:nvPicPr>
-          <p:cNvPr id="4" name="Picture 3"/>
-          <p:cNvPicPr>
-            <a:picLocks noChangeAspect="1"/>
-          </p:cNvPicPr>
-          <p:nvPr/>
-        </p:nvPicPr>
-        <p:blipFill>
-          <a:blip r:embed="rId2"/>
-          <a:stretch>
-            <a:fillRect/>
-          </a:stretch>
-        </p:blipFill>
-        <p:spPr>
-          <a:xfrm>
-            <a:off x="590872" y="3386720"/>
-            <a:ext cx="3562441" cy="3304164"/>
-          </a:xfrm>
-          <a:prstGeom prst="rect">
-            <a:avLst/>
-          </a:prstGeom>
-        </p:spPr>
-      </p:pic>
-      <p:pic>
-        <p:nvPicPr>
-          <p:cNvPr id="5" name="Picture 4"/>
-          <p:cNvPicPr>
-            <a:picLocks noChangeAspect="1"/>
-          </p:cNvPicPr>
-          <p:nvPr/>
-        </p:nvPicPr>
-        <p:blipFill>
-          <a:blip r:embed="rId3"/>
-          <a:stretch>
-            <a:fillRect/>
-          </a:stretch>
-        </p:blipFill>
-        <p:spPr>
-          <a:xfrm>
-            <a:off x="4431308" y="3754375"/>
-            <a:ext cx="4650206" cy="2400669"/>
-          </a:xfrm>
-          <a:prstGeom prst="rect">
-            <a:avLst/>
-          </a:prstGeom>
-        </p:spPr>
-      </p:pic>
     </p:spTree>
     <p:extLst>
       <p:ext uri="{BB962C8B-B14F-4D97-AF65-F5344CB8AC3E}">
-        <p14:creationId xmlns:p14="http://schemas.microsoft.com/office/powerpoint/2010/main" val="3876113049"/>
+        <p14:creationId xmlns:p14="http://schemas.microsoft.com/office/powerpoint/2010/main" val="861624676"/>
       </p:ext>
     </p:extLst>
   </p:cSld>
@@ -11466,102 +11904,7 @@
   <p:timing>
     <p:tnLst>
       <p:par>
-        <p:cTn xmlns:p14="http://schemas.microsoft.com/office/powerpoint/2010/main" id="1" dur="indefinite" restart="never" nodeType="tmRoot">
-          <p:childTnLst>
-            <p:seq concurrent="1" nextAc="seek">
-              <p:cTn id="2" dur="indefinite" nodeType="mainSeq">
-                <p:childTnLst>
-                  <p:par>
-                    <p:cTn id="3" fill="hold">
-                      <p:stCondLst>
-                        <p:cond delay="indefinite"/>
-                      </p:stCondLst>
-                      <p:childTnLst>
-                        <p:par>
-                          <p:cTn id="4" fill="hold">
-                            <p:stCondLst>
-                              <p:cond delay="0"/>
-                            </p:stCondLst>
-                            <p:childTnLst>
-                              <p:par>
-                                <p:cTn id="5" presetID="1" presetClass="entr" presetSubtype="0" fill="hold" nodeType="clickEffect">
-                                  <p:stCondLst>
-                                    <p:cond delay="0"/>
-                                  </p:stCondLst>
-                                  <p:childTnLst>
-                                    <p:set>
-                                      <p:cBhvr>
-                                        <p:cTn id="6" dur="1" fill="hold">
-                                          <p:stCondLst>
-                                            <p:cond delay="0"/>
-                                          </p:stCondLst>
-                                        </p:cTn>
-                                        <p:tgtEl>
-                                          <p:spTgt spid="4"/>
-                                        </p:tgtEl>
-                                        <p:attrNameLst>
-                                          <p:attrName>style.visibility</p:attrName>
-                                        </p:attrNameLst>
-                                      </p:cBhvr>
-                                      <p:to>
-                                        <p:strVal val="visible"/>
-                                      </p:to>
-                                    </p:set>
-                                  </p:childTnLst>
-                                </p:cTn>
-                              </p:par>
-                              <p:par>
-                                <p:cTn id="7" presetID="1" presetClass="entr" presetSubtype="0" fill="hold" nodeType="withEffect">
-                                  <p:stCondLst>
-                                    <p:cond delay="0"/>
-                                  </p:stCondLst>
-                                  <p:childTnLst>
-                                    <p:set>
-                                      <p:cBhvr>
-                                        <p:cTn id="8" dur="1" fill="hold">
-                                          <p:stCondLst>
-                                            <p:cond delay="0"/>
-                                          </p:stCondLst>
-                                        </p:cTn>
-                                        <p:tgtEl>
-                                          <p:spTgt spid="5"/>
-                                        </p:tgtEl>
-                                        <p:attrNameLst>
-                                          <p:attrName>style.visibility</p:attrName>
-                                        </p:attrNameLst>
-                                      </p:cBhvr>
-                                      <p:to>
-                                        <p:strVal val="visible"/>
-                                      </p:to>
-                                    </p:set>
-                                  </p:childTnLst>
-                                </p:cTn>
-                              </p:par>
-                            </p:childTnLst>
-                          </p:cTn>
-                        </p:par>
-                      </p:childTnLst>
-                    </p:cTn>
-                  </p:par>
-                </p:childTnLst>
-              </p:cTn>
-              <p:prevCondLst>
-                <p:cond evt="onPrev" delay="0">
-                  <p:tgtEl>
-                    <p:sldTgt/>
-                  </p:tgtEl>
-                </p:cond>
-              </p:prevCondLst>
-              <p:nextCondLst>
-                <p:cond evt="onNext" delay="0">
-                  <p:tgtEl>
-                    <p:sldTgt/>
-                  </p:tgtEl>
-                </p:cond>
-              </p:nextCondLst>
-            </p:seq>
-          </p:childTnLst>
-        </p:cTn>
+        <p:cTn xmlns:p14="http://schemas.microsoft.com/office/powerpoint/2010/main" id="1" dur="indefinite" restart="never" nodeType="tmRoot"/>
       </p:par>
     </p:tnLst>
   </p:timing>
